--- a/diagrams/exercise_textual_challenge_choice_response_results.pptx
+++ b/diagrams/exercise_textual_challenge_choice_response_results.pptx
@@ -3326,307 +3326,287 @@
           <a:chExt cx="0" cy="0"/>
         </a:xfrm>
       </p:grpSpPr>
-      <p:cxnSp>
-        <p:nvCxnSpPr>
-          <p:cNvPr id="27" name="Straight Arrow Connector 26">
-            <a:extLst>
-              <a:ext uri="{FF2B5EF4-FFF2-40B4-BE49-F238E27FC236}">
-                <a16:creationId xmlns:a16="http://schemas.microsoft.com/office/drawing/2014/main" id="{205E9FA2-A2C5-4CAD-A391-AFF2AF068027}"/>
-              </a:ext>
-            </a:extLst>
-          </p:cNvPr>
-          <p:cNvCxnSpPr>
-            <a:cxnSpLocks/>
-          </p:cNvCxnSpPr>
+      <p:grpSp>
+        <p:nvGrpSpPr>
+          <p:cNvPr id="2" name="Group 1">
+            <a:extLst>
+              <a:ext uri="{FF2B5EF4-FFF2-40B4-BE49-F238E27FC236}">
+                <a16:creationId xmlns:a16="http://schemas.microsoft.com/office/drawing/2014/main" id="{4E6FA186-2258-4723-8FF9-75CA02432307}"/>
+              </a:ext>
+            </a:extLst>
+          </p:cNvPr>
+          <p:cNvGrpSpPr/>
           <p:nvPr/>
-        </p:nvCxnSpPr>
-        <p:spPr>
-          <a:xfrm flipV="1">
-            <a:off x="4804233" y="1611086"/>
-            <a:ext cx="2251050" cy="1774373"/>
+        </p:nvGrpSpPr>
+        <p:grpSpPr>
+          <a:xfrm>
+            <a:off x="2528356" y="100578"/>
+            <a:ext cx="6851679" cy="6663725"/>
+            <a:chOff x="2528356" y="100578"/>
+            <a:chExt cx="6851679" cy="6663725"/>
           </a:xfrm>
-          <a:prstGeom prst="straightConnector1">
-            <a:avLst/>
-          </a:prstGeom>
-          <a:ln w="44450">
-            <a:tailEnd type="triangle"/>
-          </a:ln>
-        </p:spPr>
-        <p:style>
-          <a:lnRef idx="1">
-            <a:schemeClr val="accent1"/>
-          </a:lnRef>
-          <a:fillRef idx="0">
-            <a:schemeClr val="accent1"/>
-          </a:fillRef>
-          <a:effectRef idx="0">
-            <a:schemeClr val="accent1"/>
-          </a:effectRef>
-          <a:fontRef idx="minor">
-            <a:schemeClr val="tx1"/>
-          </a:fontRef>
-        </p:style>
-      </p:cxnSp>
-      <p:cxnSp>
-        <p:nvCxnSpPr>
-          <p:cNvPr id="28" name="Straight Arrow Connector 27">
-            <a:extLst>
-              <a:ext uri="{FF2B5EF4-FFF2-40B4-BE49-F238E27FC236}">
-                <a16:creationId xmlns:a16="http://schemas.microsoft.com/office/drawing/2014/main" id="{E8444411-79C1-434A-8F20-311D4918B556}"/>
-              </a:ext>
-            </a:extLst>
-          </p:cNvPr>
-          <p:cNvCxnSpPr>
-            <a:cxnSpLocks/>
-          </p:cNvCxnSpPr>
-          <p:nvPr/>
-        </p:nvCxnSpPr>
-        <p:spPr>
-          <a:xfrm>
-            <a:off x="4794588" y="3529577"/>
-            <a:ext cx="2269289" cy="1541864"/>
-          </a:xfrm>
-          <a:prstGeom prst="straightConnector1">
-            <a:avLst/>
-          </a:prstGeom>
-          <a:ln w="44450">
-            <a:tailEnd type="triangle"/>
-          </a:ln>
-        </p:spPr>
-        <p:style>
-          <a:lnRef idx="1">
-            <a:schemeClr val="accent1"/>
-          </a:lnRef>
-          <a:fillRef idx="0">
-            <a:schemeClr val="accent1"/>
-          </a:fillRef>
-          <a:effectRef idx="0">
-            <a:schemeClr val="accent1"/>
-          </a:effectRef>
-          <a:fontRef idx="minor">
-            <a:schemeClr val="tx1"/>
-          </a:fontRef>
-        </p:style>
-      </p:cxnSp>
-      <p:sp>
-        <p:nvSpPr>
-          <p:cNvPr id="30" name="TextBox 29">
-            <a:extLst>
-              <a:ext uri="{FF2B5EF4-FFF2-40B4-BE49-F238E27FC236}">
-                <a16:creationId xmlns:a16="http://schemas.microsoft.com/office/drawing/2014/main" id="{20F4094A-B2A0-46D2-9663-1901812B891A}"/>
-              </a:ext>
-            </a:extLst>
-          </p:cNvPr>
-          <p:cNvSpPr txBox="1"/>
-          <p:nvPr/>
-        </p:nvSpPr>
-        <p:spPr>
-          <a:xfrm rot="19362998">
-            <a:off x="4463660" y="1814286"/>
-            <a:ext cx="2928535" cy="369332"/>
-          </a:xfrm>
-          <a:prstGeom prst="rect">
-            <a:avLst/>
-          </a:prstGeom>
-          <a:noFill/>
-        </p:spPr>
-        <p:txBody>
-          <a:bodyPr wrap="square" rtlCol="0">
-            <a:spAutoFit/>
-          </a:bodyPr>
-          <a:lstStyle/>
-          <a:p>
-            <a:r>
-              <a:rPr lang="en-US" dirty="0"/>
-              <a:t>Correct Response Given</a:t>
-            </a:r>
-          </a:p>
-        </p:txBody>
-      </p:sp>
-      <p:sp>
-        <p:nvSpPr>
-          <p:cNvPr id="32" name="TextBox 31">
-            <a:extLst>
-              <a:ext uri="{FF2B5EF4-FFF2-40B4-BE49-F238E27FC236}">
-                <a16:creationId xmlns:a16="http://schemas.microsoft.com/office/drawing/2014/main" id="{31931A16-B057-4303-9F17-5C4E47B34318}"/>
-              </a:ext>
-            </a:extLst>
-          </p:cNvPr>
-          <p:cNvSpPr txBox="1"/>
-          <p:nvPr/>
-        </p:nvSpPr>
-        <p:spPr>
-          <a:xfrm rot="2005112">
-            <a:off x="4559281" y="4741687"/>
-            <a:ext cx="2928535" cy="369332"/>
-          </a:xfrm>
-          <a:prstGeom prst="rect">
-            <a:avLst/>
-          </a:prstGeom>
-          <a:noFill/>
-        </p:spPr>
-        <p:txBody>
-          <a:bodyPr wrap="square" rtlCol="0">
-            <a:spAutoFit/>
-          </a:bodyPr>
-          <a:lstStyle/>
-          <a:p>
-            <a:r>
-              <a:rPr lang="en-US" dirty="0"/>
-              <a:t>Incorrect Response Given</a:t>
-            </a:r>
-          </a:p>
-        </p:txBody>
-      </p:sp>
-      <p:sp>
-        <p:nvSpPr>
-          <p:cNvPr id="10" name="TextBox 9">
-            <a:extLst>
-              <a:ext uri="{FF2B5EF4-FFF2-40B4-BE49-F238E27FC236}">
-                <a16:creationId xmlns:a16="http://schemas.microsoft.com/office/drawing/2014/main" id="{48B31C4B-AD40-4152-BE40-666A1EC0FBDF}"/>
-              </a:ext>
-            </a:extLst>
-          </p:cNvPr>
-          <p:cNvSpPr txBox="1"/>
-          <p:nvPr/>
-        </p:nvSpPr>
-        <p:spPr>
-          <a:xfrm>
-            <a:off x="0" y="191249"/>
-            <a:ext cx="5147734" cy="646331"/>
-          </a:xfrm>
-          <a:prstGeom prst="rect">
-            <a:avLst/>
-          </a:prstGeom>
-          <a:noFill/>
-        </p:spPr>
-        <p:txBody>
-          <a:bodyPr wrap="square" rtlCol="0">
-            <a:spAutoFit/>
-          </a:bodyPr>
-          <a:lstStyle/>
-          <a:p>
-            <a:pPr algn="ctr"/>
-            <a:r>
-              <a:rPr lang="en-US" dirty="0"/>
-              <a:t>Diagram </a:t>
-            </a:r>
-            <a:r>
-              <a:rPr lang="en-US" dirty="0" err="1"/>
-              <a:t>textual_challenge_mult_choice_response_results</a:t>
-            </a:r>
-            <a:endParaRPr lang="en-US" dirty="0"/>
-          </a:p>
-        </p:txBody>
-      </p:sp>
-      <p:pic>
-        <p:nvPicPr>
-          <p:cNvPr id="11" name="Picture 10" descr="A screenshot of a cell phone&#10;&#10;Description automatically generated">
-            <a:extLst>
-              <a:ext uri="{FF2B5EF4-FFF2-40B4-BE49-F238E27FC236}">
-                <a16:creationId xmlns:a16="http://schemas.microsoft.com/office/drawing/2014/main" id="{579B0337-714B-4080-854B-E9AA5CDFEB08}"/>
-              </a:ext>
-            </a:extLst>
-          </p:cNvPr>
-          <p:cNvPicPr>
-            <a:picLocks noChangeAspect="1"/>
-          </p:cNvPicPr>
-          <p:nvPr/>
-        </p:nvPicPr>
-        <p:blipFill>
-          <a:blip r:embed="rId2">
-            <a:extLst>
-              <a:ext uri="{28A0092B-C50C-407E-A947-70E740481C1C}">
-                <a14:useLocalDpi xmlns:a14="http://schemas.microsoft.com/office/drawing/2010/main" val="0"/>
-              </a:ext>
-            </a:extLst>
-          </a:blip>
-          <a:stretch>
-            <a:fillRect/>
-          </a:stretch>
-        </p:blipFill>
-        <p:spPr>
-          <a:xfrm>
-            <a:off x="2528356" y="1812605"/>
-            <a:ext cx="1839108" cy="3284882"/>
-          </a:xfrm>
-          <a:prstGeom prst="rect">
-            <a:avLst/>
-          </a:prstGeom>
-        </p:spPr>
-      </p:pic>
-      <p:pic>
-        <p:nvPicPr>
-          <p:cNvPr id="12" name="Picture 11" descr="A screenshot of a cell phone&#10;&#10;Description automatically generated">
-            <a:extLst>
-              <a:ext uri="{FF2B5EF4-FFF2-40B4-BE49-F238E27FC236}">
-                <a16:creationId xmlns:a16="http://schemas.microsoft.com/office/drawing/2014/main" id="{04F61141-8EE9-4BBC-8214-D36BBB028786}"/>
-              </a:ext>
-            </a:extLst>
-          </p:cNvPr>
-          <p:cNvPicPr>
-            <a:picLocks noChangeAspect="1"/>
-          </p:cNvPicPr>
-          <p:nvPr/>
-        </p:nvPicPr>
-        <p:blipFill>
-          <a:blip r:embed="rId3">
-            <a:extLst>
-              <a:ext uri="{28A0092B-C50C-407E-A947-70E740481C1C}">
-                <a14:useLocalDpi xmlns:a14="http://schemas.microsoft.com/office/drawing/2010/main" val="0"/>
-              </a:ext>
-            </a:extLst>
-          </a:blip>
-          <a:stretch>
-            <a:fillRect/>
-          </a:stretch>
-        </p:blipFill>
-        <p:spPr>
-          <a:xfrm>
-            <a:off x="7488391" y="100578"/>
-            <a:ext cx="1839108" cy="3284881"/>
-          </a:xfrm>
-          <a:prstGeom prst="rect">
-            <a:avLst/>
-          </a:prstGeom>
-        </p:spPr>
-      </p:pic>
-      <p:pic>
-        <p:nvPicPr>
-          <p:cNvPr id="13" name="Picture 12" descr="A screenshot of a cell phone&#10;&#10;Description automatically generated">
-            <a:extLst>
-              <a:ext uri="{FF2B5EF4-FFF2-40B4-BE49-F238E27FC236}">
-                <a16:creationId xmlns:a16="http://schemas.microsoft.com/office/drawing/2014/main" id="{C4767F26-D232-436F-87CA-709F944EB43F}"/>
-              </a:ext>
-            </a:extLst>
-          </p:cNvPr>
-          <p:cNvPicPr>
-            <a:picLocks noChangeAspect="1"/>
-          </p:cNvPicPr>
-          <p:nvPr/>
-        </p:nvPicPr>
-        <p:blipFill>
-          <a:blip r:embed="rId4">
-            <a:extLst>
-              <a:ext uri="{28A0092B-C50C-407E-A947-70E740481C1C}">
-                <a14:useLocalDpi xmlns:a14="http://schemas.microsoft.com/office/drawing/2010/main" val="0"/>
-              </a:ext>
-            </a:extLst>
-          </a:blip>
-          <a:stretch>
-            <a:fillRect/>
-          </a:stretch>
-        </p:blipFill>
-        <p:spPr>
-          <a:xfrm>
-            <a:off x="7540927" y="3479422"/>
-            <a:ext cx="1839108" cy="3284881"/>
-          </a:xfrm>
-          <a:prstGeom prst="rect">
-            <a:avLst/>
-          </a:prstGeom>
-        </p:spPr>
-      </p:pic>
+        </p:grpSpPr>
+        <p:cxnSp>
+          <p:nvCxnSpPr>
+            <p:cNvPr id="27" name="Straight Arrow Connector 26">
+              <a:extLst>
+                <a:ext uri="{FF2B5EF4-FFF2-40B4-BE49-F238E27FC236}">
+                  <a16:creationId xmlns:a16="http://schemas.microsoft.com/office/drawing/2014/main" id="{205E9FA2-A2C5-4CAD-A391-AFF2AF068027}"/>
+                </a:ext>
+              </a:extLst>
+            </p:cNvPr>
+            <p:cNvCxnSpPr>
+              <a:cxnSpLocks/>
+            </p:cNvCxnSpPr>
+            <p:nvPr/>
+          </p:nvCxnSpPr>
+          <p:spPr>
+            <a:xfrm flipV="1">
+              <a:off x="4804233" y="1611086"/>
+              <a:ext cx="2251050" cy="1774373"/>
+            </a:xfrm>
+            <a:prstGeom prst="straightConnector1">
+              <a:avLst/>
+            </a:prstGeom>
+            <a:ln w="44450">
+              <a:tailEnd type="triangle"/>
+            </a:ln>
+          </p:spPr>
+          <p:style>
+            <a:lnRef idx="1">
+              <a:schemeClr val="accent1"/>
+            </a:lnRef>
+            <a:fillRef idx="0">
+              <a:schemeClr val="accent1"/>
+            </a:fillRef>
+            <a:effectRef idx="0">
+              <a:schemeClr val="accent1"/>
+            </a:effectRef>
+            <a:fontRef idx="minor">
+              <a:schemeClr val="tx1"/>
+            </a:fontRef>
+          </p:style>
+        </p:cxnSp>
+        <p:cxnSp>
+          <p:nvCxnSpPr>
+            <p:cNvPr id="28" name="Straight Arrow Connector 27">
+              <a:extLst>
+                <a:ext uri="{FF2B5EF4-FFF2-40B4-BE49-F238E27FC236}">
+                  <a16:creationId xmlns:a16="http://schemas.microsoft.com/office/drawing/2014/main" id="{E8444411-79C1-434A-8F20-311D4918B556}"/>
+                </a:ext>
+              </a:extLst>
+            </p:cNvPr>
+            <p:cNvCxnSpPr>
+              <a:cxnSpLocks/>
+            </p:cNvCxnSpPr>
+            <p:nvPr/>
+          </p:nvCxnSpPr>
+          <p:spPr>
+            <a:xfrm>
+              <a:off x="4794588" y="3529577"/>
+              <a:ext cx="2269289" cy="1541864"/>
+            </a:xfrm>
+            <a:prstGeom prst="straightConnector1">
+              <a:avLst/>
+            </a:prstGeom>
+            <a:ln w="44450">
+              <a:tailEnd type="triangle"/>
+            </a:ln>
+          </p:spPr>
+          <p:style>
+            <a:lnRef idx="1">
+              <a:schemeClr val="accent1"/>
+            </a:lnRef>
+            <a:fillRef idx="0">
+              <a:schemeClr val="accent1"/>
+            </a:fillRef>
+            <a:effectRef idx="0">
+              <a:schemeClr val="accent1"/>
+            </a:effectRef>
+            <a:fontRef idx="minor">
+              <a:schemeClr val="tx1"/>
+            </a:fontRef>
+          </p:style>
+        </p:cxnSp>
+        <p:sp>
+          <p:nvSpPr>
+            <p:cNvPr id="30" name="TextBox 29">
+              <a:extLst>
+                <a:ext uri="{FF2B5EF4-FFF2-40B4-BE49-F238E27FC236}">
+                  <a16:creationId xmlns:a16="http://schemas.microsoft.com/office/drawing/2014/main" id="{20F4094A-B2A0-46D2-9663-1901812B891A}"/>
+                </a:ext>
+              </a:extLst>
+            </p:cNvPr>
+            <p:cNvSpPr txBox="1"/>
+            <p:nvPr/>
+          </p:nvSpPr>
+          <p:spPr>
+            <a:xfrm rot="19362998">
+              <a:off x="4463660" y="1814286"/>
+              <a:ext cx="2928535" cy="369332"/>
+            </a:xfrm>
+            <a:prstGeom prst="rect">
+              <a:avLst/>
+            </a:prstGeom>
+            <a:noFill/>
+          </p:spPr>
+          <p:txBody>
+            <a:bodyPr wrap="square" rtlCol="0">
+              <a:spAutoFit/>
+            </a:bodyPr>
+            <a:lstStyle/>
+            <a:p>
+              <a:r>
+                <a:rPr lang="en-US" dirty="0"/>
+                <a:t>Correct Response Given</a:t>
+              </a:r>
+            </a:p>
+          </p:txBody>
+        </p:sp>
+        <p:sp>
+          <p:nvSpPr>
+            <p:cNvPr id="32" name="TextBox 31">
+              <a:extLst>
+                <a:ext uri="{FF2B5EF4-FFF2-40B4-BE49-F238E27FC236}">
+                  <a16:creationId xmlns:a16="http://schemas.microsoft.com/office/drawing/2014/main" id="{31931A16-B057-4303-9F17-5C4E47B34318}"/>
+                </a:ext>
+              </a:extLst>
+            </p:cNvPr>
+            <p:cNvSpPr txBox="1"/>
+            <p:nvPr/>
+          </p:nvSpPr>
+          <p:spPr>
+            <a:xfrm rot="2005112">
+              <a:off x="4559281" y="4741687"/>
+              <a:ext cx="2928535" cy="369332"/>
+            </a:xfrm>
+            <a:prstGeom prst="rect">
+              <a:avLst/>
+            </a:prstGeom>
+            <a:noFill/>
+          </p:spPr>
+          <p:txBody>
+            <a:bodyPr wrap="square" rtlCol="0">
+              <a:spAutoFit/>
+            </a:bodyPr>
+            <a:lstStyle/>
+            <a:p>
+              <a:r>
+                <a:rPr lang="en-US" dirty="0"/>
+                <a:t>Incorrect Response Given</a:t>
+              </a:r>
+            </a:p>
+          </p:txBody>
+        </p:sp>
+        <p:pic>
+          <p:nvPicPr>
+            <p:cNvPr id="11" name="Picture 10" descr="A screenshot of a cell phone&#10;&#10;Description automatically generated">
+              <a:extLst>
+                <a:ext uri="{FF2B5EF4-FFF2-40B4-BE49-F238E27FC236}">
+                  <a16:creationId xmlns:a16="http://schemas.microsoft.com/office/drawing/2014/main" id="{579B0337-714B-4080-854B-E9AA5CDFEB08}"/>
+                </a:ext>
+              </a:extLst>
+            </p:cNvPr>
+            <p:cNvPicPr>
+              <a:picLocks noChangeAspect="1"/>
+            </p:cNvPicPr>
+            <p:nvPr/>
+          </p:nvPicPr>
+          <p:blipFill>
+            <a:blip r:embed="rId2">
+              <a:extLst>
+                <a:ext uri="{28A0092B-C50C-407E-A947-70E740481C1C}">
+                  <a14:useLocalDpi xmlns:a14="http://schemas.microsoft.com/office/drawing/2010/main" val="0"/>
+                </a:ext>
+              </a:extLst>
+            </a:blip>
+            <a:stretch>
+              <a:fillRect/>
+            </a:stretch>
+          </p:blipFill>
+          <p:spPr>
+            <a:xfrm>
+              <a:off x="2528356" y="1812605"/>
+              <a:ext cx="1839108" cy="3284882"/>
+            </a:xfrm>
+            <a:prstGeom prst="rect">
+              <a:avLst/>
+            </a:prstGeom>
+          </p:spPr>
+        </p:pic>
+        <p:pic>
+          <p:nvPicPr>
+            <p:cNvPr id="12" name="Picture 11" descr="A screenshot of a cell phone&#10;&#10;Description automatically generated">
+              <a:extLst>
+                <a:ext uri="{FF2B5EF4-FFF2-40B4-BE49-F238E27FC236}">
+                  <a16:creationId xmlns:a16="http://schemas.microsoft.com/office/drawing/2014/main" id="{04F61141-8EE9-4BBC-8214-D36BBB028786}"/>
+                </a:ext>
+              </a:extLst>
+            </p:cNvPr>
+            <p:cNvPicPr>
+              <a:picLocks noChangeAspect="1"/>
+            </p:cNvPicPr>
+            <p:nvPr/>
+          </p:nvPicPr>
+          <p:blipFill>
+            <a:blip r:embed="rId3">
+              <a:extLst>
+                <a:ext uri="{28A0092B-C50C-407E-A947-70E740481C1C}">
+                  <a14:useLocalDpi xmlns:a14="http://schemas.microsoft.com/office/drawing/2010/main" val="0"/>
+                </a:ext>
+              </a:extLst>
+            </a:blip>
+            <a:stretch>
+              <a:fillRect/>
+            </a:stretch>
+          </p:blipFill>
+          <p:spPr>
+            <a:xfrm>
+              <a:off x="7488391" y="100578"/>
+              <a:ext cx="1839108" cy="3284881"/>
+            </a:xfrm>
+            <a:prstGeom prst="rect">
+              <a:avLst/>
+            </a:prstGeom>
+          </p:spPr>
+        </p:pic>
+        <p:pic>
+          <p:nvPicPr>
+            <p:cNvPr id="13" name="Picture 12" descr="A screenshot of a cell phone&#10;&#10;Description automatically generated">
+              <a:extLst>
+                <a:ext uri="{FF2B5EF4-FFF2-40B4-BE49-F238E27FC236}">
+                  <a16:creationId xmlns:a16="http://schemas.microsoft.com/office/drawing/2014/main" id="{C4767F26-D232-436F-87CA-709F944EB43F}"/>
+                </a:ext>
+              </a:extLst>
+            </p:cNvPr>
+            <p:cNvPicPr>
+              <a:picLocks noChangeAspect="1"/>
+            </p:cNvPicPr>
+            <p:nvPr/>
+          </p:nvPicPr>
+          <p:blipFill>
+            <a:blip r:embed="rId4">
+              <a:extLst>
+                <a:ext uri="{28A0092B-C50C-407E-A947-70E740481C1C}">
+                  <a14:useLocalDpi xmlns:a14="http://schemas.microsoft.com/office/drawing/2010/main" val="0"/>
+                </a:ext>
+              </a:extLst>
+            </a:blip>
+            <a:stretch>
+              <a:fillRect/>
+            </a:stretch>
+          </p:blipFill>
+          <p:spPr>
+            <a:xfrm>
+              <a:off x="7540927" y="3479422"/>
+              <a:ext cx="1839108" cy="3284881"/>
+            </a:xfrm>
+            <a:prstGeom prst="rect">
+              <a:avLst/>
+            </a:prstGeom>
+          </p:spPr>
+        </p:pic>
+      </p:grpSp>
     </p:spTree>
     <p:extLst>
       <p:ext uri="{BB962C8B-B14F-4D97-AF65-F5344CB8AC3E}">
